--- a/docs/presentation/Intro.pptx
+++ b/docs/presentation/Intro.pptx
@@ -7,9 +7,8 @@
   <p:sldIdLst>
     <p:sldId id="256" r:id="rId2"/>
     <p:sldId id="257" r:id="rId3"/>
-    <p:sldId id="267" r:id="rId4"/>
-    <p:sldId id="269" r:id="rId5"/>
-    <p:sldId id="270" r:id="rId6"/>
+    <p:sldId id="269" r:id="rId4"/>
+    <p:sldId id="270" r:id="rId5"/>
   </p:sldIdLst>
   <p:sldSz cx="9144000" cy="6858000" type="screen4x3"/>
   <p:notesSz cx="6858000" cy="9144000"/>
@@ -3234,7 +3233,9 @@
         </p:nvSpPr>
         <p:spPr/>
         <p:txBody>
-          <a:bodyPr/>
+          <a:bodyPr>
+            <a:normAutofit fontScale="92500" lnSpcReduction="20000"/>
+          </a:bodyPr>
           <a:lstStyle/>
           <a:p>
             <a:r>
@@ -3273,11 +3274,45 @@
             <a:pPr lvl="1"/>
             <a:r>
               <a:rPr lang="en-US" dirty="0" smtClean="0"/>
-              <a:t>Gathers no data about the world</a:t>
-            </a:r>
-          </a:p>
-          <a:p>
-            <a:endParaRPr lang="en-US" dirty="0"/>
+              <a:t>Gathers no data about the </a:t>
+            </a:r>
+            <a:r>
+              <a:rPr lang="en-US" dirty="0" smtClean="0"/>
+              <a:t>world</a:t>
+            </a:r>
+          </a:p>
+          <a:p>
+            <a:pPr lvl="1"/>
+            <a:endParaRPr lang="en-US" dirty="0" smtClean="0"/>
+          </a:p>
+          <a:p>
+            <a:r>
+              <a:rPr lang="en-US" dirty="0" smtClean="0"/>
+              <a:t>Question:</a:t>
+            </a:r>
+            <a:endParaRPr lang="en-US" dirty="0" smtClean="0"/>
+          </a:p>
+          <a:p>
+            <a:pPr>
+              <a:buNone/>
+            </a:pPr>
+            <a:r>
+              <a:rPr lang="en-US" b="1" dirty="0" smtClean="0"/>
+              <a:t>	Can we improve on </a:t>
+            </a:r>
+            <a:r>
+              <a:rPr lang="en-US" b="1" dirty="0" err="1" smtClean="0"/>
+              <a:t>RRT’s</a:t>
+            </a:r>
+            <a:r>
+              <a:rPr lang="en-US" b="1" dirty="0" smtClean="0"/>
+              <a:t> weaknesses without sacrificing its </a:t>
+            </a:r>
+            <a:r>
+              <a:rPr lang="en-US" b="1" smtClean="0"/>
+              <a:t>strengths?</a:t>
+            </a:r>
+            <a:endParaRPr lang="en-US" b="1" dirty="0" smtClean="0"/>
           </a:p>
         </p:txBody>
       </p:sp>
@@ -3323,7 +3358,7 @@
           <a:p>
             <a:r>
               <a:rPr lang="en-US" dirty="0" smtClean="0"/>
-              <a:t>Main Question</a:t>
+              <a:t>Extension Length</a:t>
             </a:r>
             <a:endParaRPr lang="en-US" dirty="0"/>
           </a:p>
@@ -3344,12 +3379,29 @@
           <a:bodyPr/>
           <a:lstStyle/>
           <a:p>
-            <a:pPr>
-              <a:buNone/>
-            </a:pPr>
             <a:r>
               <a:rPr lang="en-US" dirty="0" smtClean="0"/>
-              <a:t>Can we improve the robustness of the RRT algorithm by allowing it to gather data and compute information without sacrificing the speed and simplicity of each planning iteration.</a:t>
+              <a:t>Prevents robustness</a:t>
+            </a:r>
+          </a:p>
+          <a:p>
+            <a:pPr lvl="1"/>
+            <a:r>
+              <a:rPr lang="en-US" dirty="0" smtClean="0"/>
+              <a:t>World with large open space and small passages</a:t>
+            </a:r>
+          </a:p>
+          <a:p>
+            <a:r>
+              <a:rPr lang="en-US" dirty="0" smtClean="0"/>
+              <a:t>Possible data collection</a:t>
+            </a:r>
+          </a:p>
+          <a:p>
+            <a:pPr lvl="1"/>
+            <a:r>
+              <a:rPr lang="en-US" dirty="0" smtClean="0"/>
+              <a:t>Each extension success and failure provides data about good extension lengths</a:t>
             </a:r>
           </a:p>
         </p:txBody>
@@ -3396,96 +3448,6 @@
           <a:p>
             <a:r>
               <a:rPr lang="en-US" dirty="0" smtClean="0"/>
-              <a:t>Extension Length</a:t>
-            </a:r>
-            <a:endParaRPr lang="en-US" dirty="0"/>
-          </a:p>
-        </p:txBody>
-      </p:sp>
-      <p:sp>
-        <p:nvSpPr>
-          <p:cNvPr id="3" name="Content Placeholder 2"/>
-          <p:cNvSpPr>
-            <a:spLocks noGrp="1"/>
-          </p:cNvSpPr>
-          <p:nvPr>
-            <p:ph idx="1"/>
-          </p:nvPr>
-        </p:nvSpPr>
-        <p:spPr/>
-        <p:txBody>
-          <a:bodyPr/>
-          <a:lstStyle/>
-          <a:p>
-            <a:r>
-              <a:rPr lang="en-US" dirty="0" smtClean="0"/>
-              <a:t>Prevents robustness</a:t>
-            </a:r>
-          </a:p>
-          <a:p>
-            <a:pPr lvl="1"/>
-            <a:r>
-              <a:rPr lang="en-US" dirty="0" smtClean="0"/>
-              <a:t>World with large open space and small passages</a:t>
-            </a:r>
-          </a:p>
-          <a:p>
-            <a:r>
-              <a:rPr lang="en-US" dirty="0" smtClean="0"/>
-              <a:t>Possible data collection</a:t>
-            </a:r>
-          </a:p>
-          <a:p>
-            <a:pPr lvl="1"/>
-            <a:r>
-              <a:rPr lang="en-US" dirty="0" smtClean="0"/>
-              <a:t>Each extension success and failure provides data about good extension lengths</a:t>
-            </a:r>
-          </a:p>
-        </p:txBody>
-      </p:sp>
-    </p:spTree>
-  </p:cSld>
-  <p:clrMapOvr>
-    <a:masterClrMapping/>
-  </p:clrMapOvr>
-</p:sld>
-</file>
-
-<file path=ppt/slides/slide5.xml><?xml version="1.0" encoding="utf-8"?>
-<p:sld xmlns:a="http://schemas.openxmlformats.org/drawingml/2006/main" xmlns:r="http://schemas.openxmlformats.org/officeDocument/2006/relationships" xmlns:mc="http://schemas.openxmlformats.org/markup-compatibility/2006" xmlns:mv="urn:schemas-microsoft-com:mac:vml" xmlns:p="http://schemas.openxmlformats.org/presentationml/2006/main" mc:Ignorable="mv" mc:PreserveAttributes="mv:*">
-  <p:cSld>
-    <p:spTree>
-      <p:nvGrpSpPr>
-        <p:cNvPr id="1" name=""/>
-        <p:cNvGrpSpPr/>
-        <p:nvPr/>
-      </p:nvGrpSpPr>
-      <p:grpSpPr>
-        <a:xfrm>
-          <a:off x="0" y="0"/>
-          <a:ext cx="0" cy="0"/>
-          <a:chOff x="0" y="0"/>
-          <a:chExt cx="0" cy="0"/>
-        </a:xfrm>
-      </p:grpSpPr>
-      <p:sp>
-        <p:nvSpPr>
-          <p:cNvPr id="2" name="Title 1"/>
-          <p:cNvSpPr>
-            <a:spLocks noGrp="1"/>
-          </p:cNvSpPr>
-          <p:nvPr>
-            <p:ph type="title"/>
-          </p:nvPr>
-        </p:nvSpPr>
-        <p:spPr/>
-        <p:txBody>
-          <a:bodyPr/>
-          <a:lstStyle/>
-          <a:p>
-            <a:r>
-              <a:rPr lang="en-US" dirty="0" smtClean="0"/>
               <a:t>Specific Goals</a:t>
             </a:r>
             <a:endParaRPr lang="en-US" dirty="0"/>
@@ -3540,11 +3502,7 @@
             </a:r>
             <a:r>
               <a:rPr lang="en-US" smtClean="0"/>
-              <a:t>lightweight </a:t>
-            </a:r>
-            <a:r>
-              <a:rPr lang="en-US" smtClean="0"/>
-              <a:t>compared </a:t>
+              <a:t>lightweight compared </a:t>
             </a:r>
             <a:r>
               <a:rPr lang="en-US" dirty="0" smtClean="0"/>
